--- a/MALA.pptx
+++ b/MALA.pptx
@@ -5,7 +5,7 @@
     <p:sldMasterId id="2147483672" r:id="rId1"/>
   </p:sldMasterIdLst>
   <p:notesMasterIdLst>
-    <p:notesMasterId r:id="rId11"/>
+    <p:notesMasterId r:id="rId14"/>
   </p:notesMasterIdLst>
   <p:sldIdLst>
     <p:sldId id="256" r:id="rId2"/>
@@ -16,7 +16,10 @@
     <p:sldId id="262" r:id="rId7"/>
     <p:sldId id="261" r:id="rId8"/>
     <p:sldId id="263" r:id="rId9"/>
-    <p:sldId id="264" r:id="rId10"/>
+    <p:sldId id="266" r:id="rId10"/>
+    <p:sldId id="267" r:id="rId11"/>
+    <p:sldId id="264" r:id="rId12"/>
+    <p:sldId id="265" r:id="rId13"/>
   </p:sldIdLst>
   <p:sldSz cx="9144000" cy="6858000" type="screen4x3"/>
   <p:notesSz cx="6858000" cy="9144000"/>
@@ -115,6 +118,22 @@
       </a:defRPr>
     </a:lvl9pPr>
   </p:defaultTextStyle>
+  <p:extLst>
+    <p:ext uri="{EFAFB233-063F-42B5-8137-9DF3F51BA10A}">
+      <p15:sldGuideLst xmlns:p15="http://schemas.microsoft.com/office/powerpoint/2012/main">
+        <p15:guide id="1" orient="horz" pos="2160">
+          <p15:clr>
+            <a:srgbClr val="A4A3A4"/>
+          </p15:clr>
+        </p15:guide>
+        <p15:guide id="2" pos="2880">
+          <p15:clr>
+            <a:srgbClr val="A4A3A4"/>
+          </p15:clr>
+        </p15:guide>
+      </p15:sldGuideLst>
+    </p:ext>
+  </p:extLst>
 </p:presentation>
 </file>
 
@@ -264,35 +283,35 @@
           <a:p>
             <a:pPr lvl="0"/>
             <a:r>
-              <a:rPr lang="en-US" smtClean="0"/>
+              <a:rPr lang="en-US"/>
               <a:t>Click to edit Master text styles</a:t>
             </a:r>
           </a:p>
           <a:p>
             <a:pPr lvl="1"/>
             <a:r>
-              <a:rPr lang="en-US" smtClean="0"/>
+              <a:rPr lang="en-US"/>
               <a:t>Second level</a:t>
             </a:r>
           </a:p>
           <a:p>
             <a:pPr lvl="2"/>
             <a:r>
-              <a:rPr lang="en-US" smtClean="0"/>
+              <a:rPr lang="en-US"/>
               <a:t>Third level</a:t>
             </a:r>
           </a:p>
           <a:p>
             <a:pPr lvl="3"/>
             <a:r>
-              <a:rPr lang="en-US" smtClean="0"/>
+              <a:rPr lang="en-US"/>
               <a:t>Fourth level</a:t>
             </a:r>
           </a:p>
           <a:p>
             <a:pPr lvl="4"/>
             <a:r>
-              <a:rPr lang="en-US" smtClean="0"/>
+              <a:rPr lang="en-US"/>
               <a:t>Fifth level</a:t>
             </a:r>
             <a:endParaRPr lang="bs-Latn-BA"/>
@@ -513,20 +532,20 @@
           <a:lstStyle/>
           <a:p>
             <a:r>
-              <a:rPr lang="bs-Latn-BA" dirty="0" smtClean="0"/>
+              <a:rPr lang="bs-Latn-BA" dirty="0"/>
               <a:t>Aplikacija za Zabavni park „MALA“</a:t>
             </a:r>
           </a:p>
           <a:p>
-            <a:endParaRPr lang="bs-Latn-BA" dirty="0" smtClean="0"/>
-          </a:p>
-          <a:p>
-            <a:r>
-              <a:rPr lang="bs-Latn-BA" dirty="0" smtClean="0"/>
+            <a:endParaRPr lang="bs-Latn-BA" dirty="0"/>
+          </a:p>
+          <a:p>
+            <a:r>
+              <a:rPr lang="bs-Latn-BA" dirty="0"/>
               <a:t>Članovi</a:t>
             </a:r>
             <a:r>
-              <a:rPr lang="bs-Latn-BA" baseline="0" dirty="0" smtClean="0"/>
+              <a:rPr lang="bs-Latn-BA" baseline="0" dirty="0"/>
               <a:t> tima: </a:t>
             </a:r>
           </a:p>
@@ -535,7 +554,7 @@
               <a:buAutoNum type="arabicPeriod"/>
             </a:pPr>
             <a:r>
-              <a:rPr lang="bs-Latn-BA" baseline="0" dirty="0" smtClean="0"/>
+              <a:rPr lang="bs-Latn-BA" baseline="0" dirty="0"/>
               <a:t>Milan Žuža</a:t>
             </a:r>
           </a:p>
@@ -544,7 +563,7 @@
               <a:buAutoNum type="arabicPeriod"/>
             </a:pPr>
             <a:r>
-              <a:rPr lang="bs-Latn-BA" baseline="0" dirty="0" smtClean="0"/>
+              <a:rPr lang="bs-Latn-BA" baseline="0" dirty="0"/>
               <a:t>Adam Stanić</a:t>
             </a:r>
           </a:p>
@@ -553,7 +572,7 @@
               <a:buAutoNum type="arabicPeriod"/>
             </a:pPr>
             <a:r>
-              <a:rPr lang="bs-Latn-BA" baseline="0" dirty="0" smtClean="0"/>
+              <a:rPr lang="bs-Latn-BA" baseline="0" dirty="0"/>
               <a:t>Lejla Zečević</a:t>
             </a:r>
           </a:p>
@@ -562,7 +581,7 @@
               <a:buAutoNum type="arabicPeriod"/>
             </a:pPr>
             <a:r>
-              <a:rPr lang="bs-Latn-BA" baseline="0" dirty="0" smtClean="0"/>
+              <a:rPr lang="bs-Latn-BA" baseline="0" dirty="0"/>
               <a:t>Ajša Terko</a:t>
             </a:r>
           </a:p>
@@ -860,10 +879,9 @@
           </a:lstStyle>
           <a:p>
             <a:r>
-              <a:rPr kumimoji="0" lang="en-US" smtClean="0"/>
+              <a:rPr kumimoji="0" lang="en-US"/>
               <a:t>Click to edit Master subtitle style</a:t>
             </a:r>
-            <a:endParaRPr kumimoji="0" lang="en-US"/>
           </a:p>
         </p:txBody>
       </p:sp>
@@ -1148,10 +1166,9 @@
           </a:lstStyle>
           <a:p>
             <a:r>
-              <a:rPr kumimoji="0" lang="en-US" smtClean="0"/>
+              <a:rPr kumimoji="0" lang="en-US"/>
               <a:t>Click to edit Master title style</a:t>
             </a:r>
-            <a:endParaRPr kumimoji="0" lang="en-US"/>
           </a:p>
         </p:txBody>
       </p:sp>
@@ -1201,10 +1218,9 @@
           <a:lstStyle/>
           <a:p>
             <a:r>
-              <a:rPr kumimoji="0" lang="en-US" smtClean="0"/>
+              <a:rPr kumimoji="0" lang="en-US"/>
               <a:t>Click to edit Master title style</a:t>
             </a:r>
-            <a:endParaRPr kumimoji="0" lang="en-US"/>
           </a:p>
         </p:txBody>
       </p:sp>
@@ -1225,35 +1241,35 @@
           <a:p>
             <a:pPr lvl="0" eaLnBrk="1" latinLnBrk="0" hangingPunct="1"/>
             <a:r>
-              <a:rPr lang="en-US" smtClean="0"/>
+              <a:rPr lang="en-US"/>
               <a:t>Click to edit Master text styles</a:t>
             </a:r>
           </a:p>
           <a:p>
             <a:pPr lvl="1" eaLnBrk="1" latinLnBrk="0" hangingPunct="1"/>
             <a:r>
-              <a:rPr lang="en-US" smtClean="0"/>
+              <a:rPr lang="en-US"/>
               <a:t>Second level</a:t>
             </a:r>
           </a:p>
           <a:p>
             <a:pPr lvl="2" eaLnBrk="1" latinLnBrk="0" hangingPunct="1"/>
             <a:r>
-              <a:rPr lang="en-US" smtClean="0"/>
+              <a:rPr lang="en-US"/>
               <a:t>Third level</a:t>
             </a:r>
           </a:p>
           <a:p>
             <a:pPr lvl="3" eaLnBrk="1" latinLnBrk="0" hangingPunct="1"/>
             <a:r>
-              <a:rPr lang="en-US" smtClean="0"/>
+              <a:rPr lang="en-US"/>
               <a:t>Fourth level</a:t>
             </a:r>
           </a:p>
           <a:p>
             <a:pPr lvl="4" eaLnBrk="1" latinLnBrk="0" hangingPunct="1"/>
             <a:r>
-              <a:rPr lang="en-US" smtClean="0"/>
+              <a:rPr lang="en-US"/>
               <a:t>Fifth level</a:t>
             </a:r>
             <a:endParaRPr kumimoji="0" lang="en-US"/>
@@ -1757,35 +1773,35 @@
           <a:p>
             <a:pPr lvl="0" eaLnBrk="1" latinLnBrk="0" hangingPunct="1"/>
             <a:r>
-              <a:rPr lang="en-US" smtClean="0"/>
+              <a:rPr lang="en-US"/>
               <a:t>Click to edit Master text styles</a:t>
             </a:r>
           </a:p>
           <a:p>
             <a:pPr lvl="1" eaLnBrk="1" latinLnBrk="0" hangingPunct="1"/>
             <a:r>
-              <a:rPr lang="en-US" smtClean="0"/>
+              <a:rPr lang="en-US"/>
               <a:t>Second level</a:t>
             </a:r>
           </a:p>
           <a:p>
             <a:pPr lvl="2" eaLnBrk="1" latinLnBrk="0" hangingPunct="1"/>
             <a:r>
-              <a:rPr lang="en-US" smtClean="0"/>
+              <a:rPr lang="en-US"/>
               <a:t>Third level</a:t>
             </a:r>
           </a:p>
           <a:p>
             <a:pPr lvl="3" eaLnBrk="1" latinLnBrk="0" hangingPunct="1"/>
             <a:r>
-              <a:rPr lang="en-US" smtClean="0"/>
+              <a:rPr lang="en-US"/>
               <a:t>Fourth level</a:t>
             </a:r>
           </a:p>
           <a:p>
             <a:pPr lvl="4" eaLnBrk="1" latinLnBrk="0" hangingPunct="1"/>
             <a:r>
-              <a:rPr lang="en-US" smtClean="0"/>
+              <a:rPr lang="en-US"/>
               <a:t>Fifth level</a:t>
             </a:r>
             <a:endParaRPr kumimoji="0" lang="en-US"/>
@@ -1855,10 +1871,9 @@
           <a:lstStyle/>
           <a:p>
             <a:r>
-              <a:rPr kumimoji="0" lang="en-US" smtClean="0"/>
+              <a:rPr kumimoji="0" lang="en-US"/>
               <a:t>Click to edit Master title style</a:t>
             </a:r>
-            <a:endParaRPr kumimoji="0" lang="en-US"/>
           </a:p>
         </p:txBody>
       </p:sp>
@@ -1918,10 +1933,9 @@
           </a:lstStyle>
           <a:p>
             <a:r>
-              <a:rPr kumimoji="0" lang="en-US" smtClean="0"/>
+              <a:rPr kumimoji="0" lang="en-US"/>
               <a:t>Click to edit Master title style</a:t>
             </a:r>
-            <a:endParaRPr kumimoji="0" lang="en-US"/>
           </a:p>
         </p:txBody>
       </p:sp>
@@ -2017,35 +2031,35 @@
           <a:p>
             <a:pPr lvl="0" eaLnBrk="1" latinLnBrk="0" hangingPunct="1"/>
             <a:r>
-              <a:rPr lang="en-US" smtClean="0"/>
+              <a:rPr lang="en-US"/>
               <a:t>Click to edit Master text styles</a:t>
             </a:r>
           </a:p>
           <a:p>
             <a:pPr lvl="1" eaLnBrk="1" latinLnBrk="0" hangingPunct="1"/>
             <a:r>
-              <a:rPr lang="en-US" smtClean="0"/>
+              <a:rPr lang="en-US"/>
               <a:t>Second level</a:t>
             </a:r>
           </a:p>
           <a:p>
             <a:pPr lvl="2" eaLnBrk="1" latinLnBrk="0" hangingPunct="1"/>
             <a:r>
-              <a:rPr lang="en-US" smtClean="0"/>
+              <a:rPr lang="en-US"/>
               <a:t>Third level</a:t>
             </a:r>
           </a:p>
           <a:p>
             <a:pPr lvl="3" eaLnBrk="1" latinLnBrk="0" hangingPunct="1"/>
             <a:r>
-              <a:rPr lang="en-US" smtClean="0"/>
+              <a:rPr lang="en-US"/>
               <a:t>Fourth level</a:t>
             </a:r>
           </a:p>
           <a:p>
             <a:pPr lvl="4" eaLnBrk="1" latinLnBrk="0" hangingPunct="1"/>
             <a:r>
-              <a:rPr lang="en-US" smtClean="0"/>
+              <a:rPr lang="en-US"/>
               <a:t>Fifth level</a:t>
             </a:r>
             <a:endParaRPr kumimoji="0" lang="en-US"/>
@@ -2369,7 +2383,7 @@
           <a:p>
             <a:pPr lvl="0" eaLnBrk="1" latinLnBrk="0" hangingPunct="1"/>
             <a:r>
-              <a:rPr kumimoji="0" lang="en-US" smtClean="0"/>
+              <a:rPr kumimoji="0" lang="en-US"/>
               <a:t>Click to edit Master text styles</a:t>
             </a:r>
           </a:p>
@@ -2693,10 +2707,9 @@
           </a:lstStyle>
           <a:p>
             <a:r>
-              <a:rPr kumimoji="0" lang="en-US" smtClean="0"/>
+              <a:rPr kumimoji="0" lang="en-US"/>
               <a:t>Click to edit Master title style</a:t>
             </a:r>
-            <a:endParaRPr kumimoji="0" lang="en-US"/>
           </a:p>
         </p:txBody>
       </p:sp>
@@ -2751,10 +2764,9 @@
           <a:lstStyle/>
           <a:p>
             <a:r>
-              <a:rPr kumimoji="0" lang="en-US" smtClean="0"/>
+              <a:rPr kumimoji="0" lang="en-US"/>
               <a:t>Click to edit Master title style</a:t>
             </a:r>
-            <a:endParaRPr kumimoji="0" lang="en-US"/>
           </a:p>
         </p:txBody>
       </p:sp>
@@ -2890,35 +2902,35 @@
           <a:p>
             <a:pPr lvl="0" eaLnBrk="1" latinLnBrk="0" hangingPunct="1"/>
             <a:r>
-              <a:rPr lang="en-US" smtClean="0"/>
+              <a:rPr lang="en-US"/>
               <a:t>Click to edit Master text styles</a:t>
             </a:r>
           </a:p>
           <a:p>
             <a:pPr lvl="1" eaLnBrk="1" latinLnBrk="0" hangingPunct="1"/>
             <a:r>
-              <a:rPr lang="en-US" smtClean="0"/>
+              <a:rPr lang="en-US"/>
               <a:t>Second level</a:t>
             </a:r>
           </a:p>
           <a:p>
             <a:pPr lvl="2" eaLnBrk="1" latinLnBrk="0" hangingPunct="1"/>
             <a:r>
-              <a:rPr lang="en-US" smtClean="0"/>
+              <a:rPr lang="en-US"/>
               <a:t>Third level</a:t>
             </a:r>
           </a:p>
           <a:p>
             <a:pPr lvl="3" eaLnBrk="1" latinLnBrk="0" hangingPunct="1"/>
             <a:r>
-              <a:rPr lang="en-US" smtClean="0"/>
+              <a:rPr lang="en-US"/>
               <a:t>Fourth level</a:t>
             </a:r>
           </a:p>
           <a:p>
             <a:pPr lvl="4" eaLnBrk="1" latinLnBrk="0" hangingPunct="1"/>
             <a:r>
-              <a:rPr lang="en-US" smtClean="0"/>
+              <a:rPr lang="en-US"/>
               <a:t>Fifth level</a:t>
             </a:r>
             <a:endParaRPr kumimoji="0" lang="en-US"/>
@@ -2951,35 +2963,35 @@
           <a:p>
             <a:pPr lvl="0" eaLnBrk="1" latinLnBrk="0" hangingPunct="1"/>
             <a:r>
-              <a:rPr lang="en-US" smtClean="0"/>
+              <a:rPr lang="en-US"/>
               <a:t>Click to edit Master text styles</a:t>
             </a:r>
           </a:p>
           <a:p>
             <a:pPr lvl="1" eaLnBrk="1" latinLnBrk="0" hangingPunct="1"/>
             <a:r>
-              <a:rPr lang="en-US" smtClean="0"/>
+              <a:rPr lang="en-US"/>
               <a:t>Second level</a:t>
             </a:r>
           </a:p>
           <a:p>
             <a:pPr lvl="2" eaLnBrk="1" latinLnBrk="0" hangingPunct="1"/>
             <a:r>
-              <a:rPr lang="en-US" smtClean="0"/>
+              <a:rPr lang="en-US"/>
               <a:t>Third level</a:t>
             </a:r>
           </a:p>
           <a:p>
             <a:pPr lvl="3" eaLnBrk="1" latinLnBrk="0" hangingPunct="1"/>
             <a:r>
-              <a:rPr lang="en-US" smtClean="0"/>
+              <a:rPr lang="en-US"/>
               <a:t>Fourth level</a:t>
             </a:r>
           </a:p>
           <a:p>
             <a:pPr lvl="4" eaLnBrk="1" latinLnBrk="0" hangingPunct="1"/>
             <a:r>
-              <a:rPr lang="en-US" smtClean="0"/>
+              <a:rPr lang="en-US"/>
               <a:t>Fifth level</a:t>
             </a:r>
             <a:endParaRPr kumimoji="0" lang="en-US"/>
@@ -3346,7 +3358,7 @@
           <a:p>
             <a:pPr lvl="0" eaLnBrk="1" latinLnBrk="0" hangingPunct="1"/>
             <a:r>
-              <a:rPr kumimoji="0" lang="en-US" smtClean="0"/>
+              <a:rPr kumimoji="0" lang="en-US"/>
               <a:t>Click to edit Master text styles</a:t>
             </a:r>
           </a:p>
@@ -3416,7 +3428,7 @@
           <a:p>
             <a:pPr lvl="0" eaLnBrk="1" latinLnBrk="0" hangingPunct="1"/>
             <a:r>
-              <a:rPr kumimoji="0" lang="en-US" smtClean="0"/>
+              <a:rPr kumimoji="0" lang="en-US"/>
               <a:t>Click to edit Master text styles</a:t>
             </a:r>
           </a:p>
@@ -3567,35 +3579,35 @@
           <a:p>
             <a:pPr lvl="0" eaLnBrk="1" latinLnBrk="0" hangingPunct="1"/>
             <a:r>
-              <a:rPr lang="en-US" smtClean="0"/>
+              <a:rPr lang="en-US"/>
               <a:t>Click to edit Master text styles</a:t>
             </a:r>
           </a:p>
           <a:p>
             <a:pPr lvl="1" eaLnBrk="1" latinLnBrk="0" hangingPunct="1"/>
             <a:r>
-              <a:rPr lang="en-US" smtClean="0"/>
+              <a:rPr lang="en-US"/>
               <a:t>Second level</a:t>
             </a:r>
           </a:p>
           <a:p>
             <a:pPr lvl="2" eaLnBrk="1" latinLnBrk="0" hangingPunct="1"/>
             <a:r>
-              <a:rPr lang="en-US" smtClean="0"/>
+              <a:rPr lang="en-US"/>
               <a:t>Third level</a:t>
             </a:r>
           </a:p>
           <a:p>
             <a:pPr lvl="3" eaLnBrk="1" latinLnBrk="0" hangingPunct="1"/>
             <a:r>
-              <a:rPr lang="en-US" smtClean="0"/>
+              <a:rPr lang="en-US"/>
               <a:t>Fourth level</a:t>
             </a:r>
           </a:p>
           <a:p>
             <a:pPr lvl="4" eaLnBrk="1" latinLnBrk="0" hangingPunct="1"/>
             <a:r>
-              <a:rPr lang="en-US" smtClean="0"/>
+              <a:rPr lang="en-US"/>
               <a:t>Fifth level</a:t>
             </a:r>
             <a:endParaRPr kumimoji="0" lang="en-US"/>
@@ -3624,35 +3636,35 @@
           <a:p>
             <a:pPr lvl="0" eaLnBrk="1" latinLnBrk="0" hangingPunct="1"/>
             <a:r>
-              <a:rPr lang="en-US" smtClean="0"/>
+              <a:rPr lang="en-US"/>
               <a:t>Click to edit Master text styles</a:t>
             </a:r>
           </a:p>
           <a:p>
             <a:pPr lvl="1" eaLnBrk="1" latinLnBrk="0" hangingPunct="1"/>
             <a:r>
-              <a:rPr lang="en-US" smtClean="0"/>
+              <a:rPr lang="en-US"/>
               <a:t>Second level</a:t>
             </a:r>
           </a:p>
           <a:p>
             <a:pPr lvl="2" eaLnBrk="1" latinLnBrk="0" hangingPunct="1"/>
             <a:r>
-              <a:rPr lang="en-US" smtClean="0"/>
+              <a:rPr lang="en-US"/>
               <a:t>Third level</a:t>
             </a:r>
           </a:p>
           <a:p>
             <a:pPr lvl="3" eaLnBrk="1" latinLnBrk="0" hangingPunct="1"/>
             <a:r>
-              <a:rPr lang="en-US" smtClean="0"/>
+              <a:rPr lang="en-US"/>
               <a:t>Fourth level</a:t>
             </a:r>
           </a:p>
           <a:p>
             <a:pPr lvl="4" eaLnBrk="1" latinLnBrk="0" hangingPunct="1"/>
             <a:r>
-              <a:rPr lang="en-US" smtClean="0"/>
+              <a:rPr lang="en-US"/>
               <a:t>Fifth level</a:t>
             </a:r>
             <a:endParaRPr kumimoji="0" lang="en-US"/>
@@ -3803,10 +3815,9 @@
           <a:lstStyle/>
           <a:p>
             <a:r>
-              <a:rPr kumimoji="0" lang="en-US" smtClean="0"/>
+              <a:rPr kumimoji="0" lang="en-US"/>
               <a:t>Click to edit Master title style</a:t>
             </a:r>
-            <a:endParaRPr kumimoji="0" lang="en-US"/>
           </a:p>
         </p:txBody>
       </p:sp>
@@ -3851,10 +3862,9 @@
           <a:lstStyle/>
           <a:p>
             <a:r>
-              <a:rPr kumimoji="0" lang="en-US" smtClean="0"/>
+              <a:rPr kumimoji="0" lang="en-US"/>
               <a:t>Click to edit Master title style</a:t>
             </a:r>
-            <a:endParaRPr kumimoji="0" lang="en-US"/>
           </a:p>
         </p:txBody>
       </p:sp>
@@ -4537,10 +4547,9 @@
           </a:lstStyle>
           <a:p>
             <a:r>
-              <a:rPr kumimoji="0" lang="en-US" smtClean="0"/>
+              <a:rPr kumimoji="0" lang="en-US"/>
               <a:t>Click to edit Master title style</a:t>
             </a:r>
-            <a:endParaRPr kumimoji="0" lang="en-US"/>
           </a:p>
         </p:txBody>
       </p:sp>
@@ -4594,7 +4603,7 @@
           <a:p>
             <a:pPr lvl="0" eaLnBrk="1" latinLnBrk="0" hangingPunct="1"/>
             <a:r>
-              <a:rPr kumimoji="0" lang="en-US" smtClean="0"/>
+              <a:rPr kumimoji="0" lang="en-US"/>
               <a:t>Click to edit Master text styles</a:t>
             </a:r>
           </a:p>
@@ -4698,35 +4707,35 @@
           <a:p>
             <a:pPr lvl="0" eaLnBrk="1" latinLnBrk="0" hangingPunct="1"/>
             <a:r>
-              <a:rPr lang="en-US" smtClean="0"/>
+              <a:rPr lang="en-US"/>
               <a:t>Click to edit Master text styles</a:t>
             </a:r>
           </a:p>
           <a:p>
             <a:pPr lvl="1" eaLnBrk="1" latinLnBrk="0" hangingPunct="1"/>
             <a:r>
-              <a:rPr lang="en-US" smtClean="0"/>
+              <a:rPr lang="en-US"/>
               <a:t>Second level</a:t>
             </a:r>
           </a:p>
           <a:p>
             <a:pPr lvl="2" eaLnBrk="1" latinLnBrk="0" hangingPunct="1"/>
             <a:r>
-              <a:rPr lang="en-US" smtClean="0"/>
+              <a:rPr lang="en-US"/>
               <a:t>Third level</a:t>
             </a:r>
           </a:p>
           <a:p>
             <a:pPr lvl="3" eaLnBrk="1" latinLnBrk="0" hangingPunct="1"/>
             <a:r>
-              <a:rPr lang="en-US" smtClean="0"/>
+              <a:rPr lang="en-US"/>
               <a:t>Fourth level</a:t>
             </a:r>
           </a:p>
           <a:p>
             <a:pPr lvl="4" eaLnBrk="1" latinLnBrk="0" hangingPunct="1"/>
             <a:r>
-              <a:rPr lang="en-US" smtClean="0"/>
+              <a:rPr lang="en-US"/>
               <a:t>Fifth level</a:t>
             </a:r>
             <a:endParaRPr kumimoji="0" lang="en-US"/>
@@ -5433,10 +5442,9 @@
           </a:lstStyle>
           <a:p>
             <a:r>
-              <a:rPr kumimoji="0" lang="en-US" smtClean="0"/>
+              <a:rPr kumimoji="0" lang="en-US"/>
               <a:t>Click to edit Master title style</a:t>
             </a:r>
-            <a:endParaRPr kumimoji="0" lang="en-US"/>
           </a:p>
         </p:txBody>
       </p:sp>
@@ -5466,7 +5474,7 @@
           </a:lstStyle>
           <a:p>
             <a:r>
-              <a:rPr kumimoji="0" lang="en-US" smtClean="0"/>
+              <a:rPr kumimoji="0" lang="en-US"/>
               <a:t>Click icon to add picture</a:t>
             </a:r>
             <a:endParaRPr kumimoji="0" lang="en-US" dirty="0"/>
@@ -5520,7 +5528,7 @@
           <a:p>
             <a:pPr lvl="0" eaLnBrk="1" latinLnBrk="0" hangingPunct="1"/>
             <a:r>
-              <a:rPr kumimoji="0" lang="en-US" smtClean="0"/>
+              <a:rPr kumimoji="0" lang="en-US"/>
               <a:t>Click to edit Master text styles</a:t>
             </a:r>
           </a:p>
@@ -6139,10 +6147,9 @@
           <a:lstStyle/>
           <a:p>
             <a:r>
-              <a:rPr kumimoji="0" lang="en-US" smtClean="0"/>
+              <a:rPr kumimoji="0" lang="en-US"/>
               <a:t>Click to edit Master title style</a:t>
             </a:r>
-            <a:endParaRPr kumimoji="0" lang="en-US"/>
           </a:p>
         </p:txBody>
       </p:sp>
@@ -6173,38 +6180,37 @@
           <a:p>
             <a:pPr lvl="0" eaLnBrk="1" latinLnBrk="0" hangingPunct="1"/>
             <a:r>
-              <a:rPr kumimoji="0" lang="en-US" smtClean="0"/>
+              <a:rPr kumimoji="0" lang="en-US"/>
               <a:t>Click to edit Master text styles</a:t>
             </a:r>
           </a:p>
           <a:p>
             <a:pPr lvl="1" eaLnBrk="1" latinLnBrk="0" hangingPunct="1"/>
             <a:r>
-              <a:rPr kumimoji="0" lang="en-US" smtClean="0"/>
+              <a:rPr kumimoji="0" lang="en-US"/>
               <a:t>Second level</a:t>
             </a:r>
           </a:p>
           <a:p>
             <a:pPr lvl="2" eaLnBrk="1" latinLnBrk="0" hangingPunct="1"/>
             <a:r>
-              <a:rPr kumimoji="0" lang="en-US" smtClean="0"/>
+              <a:rPr kumimoji="0" lang="en-US"/>
               <a:t>Third level</a:t>
             </a:r>
           </a:p>
           <a:p>
             <a:pPr lvl="3" eaLnBrk="1" latinLnBrk="0" hangingPunct="1"/>
             <a:r>
-              <a:rPr kumimoji="0" lang="en-US" smtClean="0"/>
+              <a:rPr kumimoji="0" lang="en-US"/>
               <a:t>Fourth level</a:t>
             </a:r>
           </a:p>
           <a:p>
             <a:pPr lvl="4" eaLnBrk="1" latinLnBrk="0" hangingPunct="1"/>
             <a:r>
-              <a:rPr kumimoji="0" lang="en-US" smtClean="0"/>
+              <a:rPr kumimoji="0" lang="en-US"/>
               <a:t>Fifth level</a:t>
             </a:r>
-            <a:endParaRPr kumimoji="0" lang="en-US"/>
           </a:p>
         </p:txBody>
       </p:sp>
@@ -6645,7 +6651,7 @@
           <a:lstStyle/>
           <a:p>
             <a:r>
-              <a:rPr lang="bs-Latn-BA" sz="2800" b="1" cap="all" dirty="0" smtClean="0">
+              <a:rPr lang="bs-Latn-BA" sz="2800" b="1" cap="all" dirty="0">
                 <a:ln w="0"/>
                 <a:solidFill>
                   <a:schemeClr val="accent2">
@@ -6660,7 +6666,7 @@
             </a:r>
           </a:p>
           <a:p>
-            <a:endParaRPr lang="bs-Latn-BA" b="1" cap="all" dirty="0" smtClean="0">
+            <a:endParaRPr lang="bs-Latn-BA" b="1" cap="all" dirty="0">
               <a:ln w="0"/>
               <a:gradFill flip="none">
                 <a:gsLst>
@@ -6706,7 +6712,7 @@
           </a:p>
           <a:p>
             <a:r>
-              <a:rPr lang="bs-Latn-BA" sz="2400" b="1" cap="all" dirty="0" smtClean="0">
+              <a:rPr lang="bs-Latn-BA" sz="2400" b="1" cap="all" dirty="0">
                 <a:ln w="0"/>
                 <a:solidFill>
                   <a:schemeClr val="accent1">
@@ -6720,7 +6726,7 @@
               <a:t>Članovi</a:t>
             </a:r>
             <a:r>
-              <a:rPr lang="bs-Latn-BA" sz="2400" b="1" cap="all" baseline="0" dirty="0" smtClean="0">
+              <a:rPr lang="bs-Latn-BA" sz="2400" b="1" cap="all" baseline="0" dirty="0">
                 <a:ln w="0"/>
                 <a:solidFill>
                   <a:schemeClr val="accent1">
@@ -6736,7 +6742,7 @@
           </a:p>
           <a:p>
             <a:r>
-              <a:rPr lang="bs-Latn-BA" sz="2400" b="1" cap="all" baseline="0" dirty="0" smtClean="0">
+              <a:rPr lang="bs-Latn-BA" sz="2400" b="1" cap="all" baseline="0" dirty="0">
                 <a:ln w="0">
                   <a:solidFill>
                     <a:srgbClr val="FF0000"/>
@@ -6752,7 +6758,7 @@
               <a:t>M</a:t>
             </a:r>
             <a:r>
-              <a:rPr lang="bs-Latn-BA" sz="2400" b="1" cap="all" baseline="0" dirty="0" smtClean="0">
+              <a:rPr lang="bs-Latn-BA" sz="2400" b="1" cap="all" baseline="0" dirty="0">
                 <a:ln w="0"/>
                 <a:solidFill>
                   <a:schemeClr val="accent1">
@@ -6768,7 +6774,7 @@
           </a:p>
           <a:p>
             <a:r>
-              <a:rPr lang="bs-Latn-BA" sz="2400" b="1" cap="all" baseline="0" dirty="0" smtClean="0">
+              <a:rPr lang="bs-Latn-BA" sz="2400" b="1" cap="all" baseline="0" dirty="0">
                 <a:ln w="0">
                   <a:solidFill>
                     <a:srgbClr val="FF0000"/>
@@ -6784,7 +6790,7 @@
               <a:t>A</a:t>
             </a:r>
             <a:r>
-              <a:rPr lang="bs-Latn-BA" sz="2400" b="1" cap="all" baseline="0" dirty="0" smtClean="0">
+              <a:rPr lang="bs-Latn-BA" sz="2400" b="1" cap="all" baseline="0" dirty="0">
                 <a:ln w="0"/>
                 <a:solidFill>
                   <a:schemeClr val="accent1">
@@ -6800,7 +6806,7 @@
           </a:p>
           <a:p>
             <a:r>
-              <a:rPr lang="bs-Latn-BA" sz="2400" b="1" cap="all" baseline="0" dirty="0" smtClean="0">
+              <a:rPr lang="bs-Latn-BA" sz="2400" b="1" cap="all" baseline="0" dirty="0">
                 <a:ln w="0">
                   <a:solidFill>
                     <a:srgbClr val="FF0000"/>
@@ -6816,7 +6822,7 @@
               <a:t>L</a:t>
             </a:r>
             <a:r>
-              <a:rPr lang="bs-Latn-BA" sz="2400" b="1" cap="all" baseline="0" dirty="0" smtClean="0">
+              <a:rPr lang="bs-Latn-BA" sz="2400" b="1" cap="all" baseline="0" dirty="0">
                 <a:ln w="0"/>
                 <a:solidFill>
                   <a:schemeClr val="accent1">
@@ -6832,7 +6838,7 @@
           </a:p>
           <a:p>
             <a:r>
-              <a:rPr lang="bs-Latn-BA" sz="2400" b="1" cap="all" baseline="0" dirty="0" smtClean="0">
+              <a:rPr lang="bs-Latn-BA" sz="2400" b="1" cap="all" baseline="0" dirty="0">
                 <a:ln w="0">
                   <a:solidFill>
                     <a:srgbClr val="FF0000"/>
@@ -6848,7 +6854,7 @@
               <a:t>A</a:t>
             </a:r>
             <a:r>
-              <a:rPr lang="bs-Latn-BA" sz="2400" b="1" cap="all" baseline="0" dirty="0" smtClean="0">
+              <a:rPr lang="bs-Latn-BA" sz="2400" b="1" cap="all" baseline="0" dirty="0">
                 <a:ln w="0"/>
                 <a:solidFill>
                   <a:schemeClr val="accent1">
@@ -6874,13 +6880,382 @@
   <p:clrMapOvr>
     <a:masterClrMapping/>
   </p:clrMapOvr>
+</p:sld>
+</file>
+
+<file path=ppt/slides/slide10.xml><?xml version="1.0" encoding="utf-8"?>
+<p:sld xmlns:a="http://schemas.openxmlformats.org/drawingml/2006/main" xmlns:r="http://schemas.openxmlformats.org/officeDocument/2006/relationships" xmlns:p="http://schemas.openxmlformats.org/presentationml/2006/main">
+  <p:cSld>
+    <p:spTree>
+      <p:nvGrpSpPr>
+        <p:cNvPr id="1" name=""/>
+        <p:cNvGrpSpPr/>
+        <p:nvPr/>
+      </p:nvGrpSpPr>
+      <p:grpSpPr>
+        <a:xfrm>
+          <a:off x="0" y="0"/>
+          <a:ext cx="0" cy="0"/>
+          <a:chOff x="0" y="0"/>
+          <a:chExt cx="0" cy="0"/>
+        </a:xfrm>
+      </p:grpSpPr>
+      <p:pic>
+        <p:nvPicPr>
+          <p:cNvPr id="5" name="Picture 4"/>
+          <p:cNvPicPr>
+            <a:picLocks noChangeAspect="1"/>
+          </p:cNvPicPr>
+          <p:nvPr/>
+        </p:nvPicPr>
+        <p:blipFill>
+          <a:blip r:embed="rId2"/>
+          <a:stretch>
+            <a:fillRect/>
+          </a:stretch>
+        </p:blipFill>
+        <p:spPr>
+          <a:xfrm>
+            <a:off x="107504" y="404664"/>
+            <a:ext cx="8938013" cy="6336704"/>
+          </a:xfrm>
+          <a:prstGeom prst="rect">
+            <a:avLst/>
+          </a:prstGeom>
+        </p:spPr>
+      </p:pic>
+      <p:sp>
+        <p:nvSpPr>
+          <p:cNvPr id="2" name="Title 1"/>
+          <p:cNvSpPr>
+            <a:spLocks noGrp="1"/>
+          </p:cNvSpPr>
+          <p:nvPr>
+            <p:ph type="title"/>
+          </p:nvPr>
+        </p:nvSpPr>
+        <p:spPr>
+          <a:xfrm>
+            <a:off x="0" y="2996952"/>
+            <a:ext cx="9144000" cy="758952"/>
+          </a:xfrm>
+        </p:spPr>
+        <p:txBody>
+          <a:bodyPr>
+            <a:normAutofit/>
+          </a:bodyPr>
+          <a:lstStyle/>
+          <a:p>
+            <a:r>
+              <a:rPr lang="bs-Latn-BA" b="1" dirty="0">
+                <a:ln w="22225">
+                  <a:solidFill>
+                    <a:schemeClr val="accent2"/>
+                  </a:solidFill>
+                  <a:prstDash val="solid"/>
+                </a:ln>
+                <a:solidFill>
+                  <a:schemeClr val="tx1">
+                    <a:lumMod val="95000"/>
+                    <a:lumOff val="5000"/>
+                  </a:schemeClr>
+                </a:solidFill>
+              </a:rPr>
+              <a:t>DIJAGRAM KLASE - MVVM</a:t>
+            </a:r>
+          </a:p>
+        </p:txBody>
+      </p:sp>
+    </p:spTree>
+    <p:extLst>
+      <p:ext uri="{BB962C8B-B14F-4D97-AF65-F5344CB8AC3E}">
+        <p14:creationId xmlns:p14="http://schemas.microsoft.com/office/powerpoint/2010/main" val="104384602"/>
+      </p:ext>
+    </p:extLst>
+  </p:cSld>
+  <p:clrMapOvr>
+    <a:masterClrMapping/>
+  </p:clrMapOvr>
   <p:timing>
     <p:tnLst>
       <p:par>
-        <p:cTn id="1" dur="indefinite" restart="never" nodeType="tmRoot"/>
+        <p:cTn id="1" dur="indefinite" restart="never" nodeType="tmRoot">
+          <p:childTnLst>
+            <p:seq concurrent="1" nextAc="seek">
+              <p:cTn id="2" dur="indefinite" nodeType="mainSeq">
+                <p:childTnLst>
+                  <p:par>
+                    <p:cTn id="3" fill="hold">
+                      <p:stCondLst>
+                        <p:cond delay="indefinite"/>
+                      </p:stCondLst>
+                      <p:childTnLst>
+                        <p:par>
+                          <p:cTn id="4" fill="hold">
+                            <p:stCondLst>
+                              <p:cond delay="0"/>
+                            </p:stCondLst>
+                            <p:childTnLst>
+                              <p:par>
+                                <p:cTn id="5" presetID="1" presetClass="exit" presetSubtype="0" fill="hold" grpId="0" nodeType="clickEffect">
+                                  <p:stCondLst>
+                                    <p:cond delay="0"/>
+                                  </p:stCondLst>
+                                  <p:childTnLst>
+                                    <p:set>
+                                      <p:cBhvr>
+                                        <p:cTn id="6" dur="1" fill="hold">
+                                          <p:stCondLst>
+                                            <p:cond delay="0"/>
+                                          </p:stCondLst>
+                                        </p:cTn>
+                                        <p:tgtEl>
+                                          <p:spTgt spid="2"/>
+                                        </p:tgtEl>
+                                        <p:attrNameLst>
+                                          <p:attrName>style.visibility</p:attrName>
+                                        </p:attrNameLst>
+                                      </p:cBhvr>
+                                      <p:to>
+                                        <p:strVal val="hidden"/>
+                                      </p:to>
+                                    </p:set>
+                                  </p:childTnLst>
+                                </p:cTn>
+                              </p:par>
+                            </p:childTnLst>
+                          </p:cTn>
+                        </p:par>
+                      </p:childTnLst>
+                    </p:cTn>
+                  </p:par>
+                </p:childTnLst>
+              </p:cTn>
+              <p:prevCondLst>
+                <p:cond evt="onPrev" delay="0">
+                  <p:tgtEl>
+                    <p:sldTgt/>
+                  </p:tgtEl>
+                </p:cond>
+              </p:prevCondLst>
+              <p:nextCondLst>
+                <p:cond evt="onNext" delay="0">
+                  <p:tgtEl>
+                    <p:sldTgt/>
+                  </p:tgtEl>
+                </p:cond>
+              </p:nextCondLst>
+            </p:seq>
+          </p:childTnLst>
+        </p:cTn>
       </p:par>
     </p:tnLst>
+    <p:bldLst>
+      <p:bldP spid="2" grpId="0"/>
+    </p:bldLst>
   </p:timing>
+</p:sld>
+</file>
+
+<file path=ppt/slides/slide11.xml><?xml version="1.0" encoding="utf-8"?>
+<p:sld xmlns:a="http://schemas.openxmlformats.org/drawingml/2006/main" xmlns:r="http://schemas.openxmlformats.org/officeDocument/2006/relationships" xmlns:p="http://schemas.openxmlformats.org/presentationml/2006/main">
+  <p:cSld>
+    <p:spTree>
+      <p:nvGrpSpPr>
+        <p:cNvPr id="1" name=""/>
+        <p:cNvGrpSpPr/>
+        <p:nvPr/>
+      </p:nvGrpSpPr>
+      <p:grpSpPr>
+        <a:xfrm>
+          <a:off x="0" y="0"/>
+          <a:ext cx="0" cy="0"/>
+          <a:chOff x="0" y="0"/>
+          <a:chExt cx="0" cy="0"/>
+        </a:xfrm>
+      </p:grpSpPr>
+      <p:sp>
+        <p:nvSpPr>
+          <p:cNvPr id="2" name="Title 1"/>
+          <p:cNvSpPr>
+            <a:spLocks noGrp="1"/>
+          </p:cNvSpPr>
+          <p:nvPr>
+            <p:ph type="title"/>
+          </p:nvPr>
+        </p:nvSpPr>
+        <p:spPr/>
+        <p:txBody>
+          <a:bodyPr>
+            <a:noAutofit/>
+          </a:bodyPr>
+          <a:lstStyle/>
+          <a:p>
+            <a:r>
+              <a:rPr lang="bs-Latn-BA" sz="4400" b="1" spc="50" dirty="0">
+                <a:ln w="9525" cmpd="sng">
+                  <a:solidFill>
+                    <a:schemeClr val="accent2">
+                      <a:lumMod val="50000"/>
+                    </a:schemeClr>
+                  </a:solidFill>
+                  <a:prstDash val="solid"/>
+                </a:ln>
+                <a:solidFill>
+                  <a:srgbClr val="70AD47">
+                    <a:tint val="1000"/>
+                  </a:srgbClr>
+                </a:solidFill>
+                <a:effectLst>
+                  <a:glow rad="38100">
+                    <a:schemeClr val="accent1">
+                      <a:alpha val="40000"/>
+                    </a:schemeClr>
+                  </a:glow>
+                </a:effectLst>
+              </a:rPr>
+              <a:t>IGRICA</a:t>
+            </a:r>
+          </a:p>
+        </p:txBody>
+      </p:sp>
+      <p:pic>
+        <p:nvPicPr>
+          <p:cNvPr id="6" name="Picture 5"/>
+          <p:cNvPicPr>
+            <a:picLocks noChangeAspect="1"/>
+          </p:cNvPicPr>
+          <p:nvPr/>
+        </p:nvPicPr>
+        <p:blipFill>
+          <a:blip r:embed="rId2">
+            <a:clrChange>
+              <a:clrFrom>
+                <a:srgbClr val="FFFFFF"/>
+              </a:clrFrom>
+              <a:clrTo>
+                <a:srgbClr val="FFFFFF">
+                  <a:alpha val="0"/>
+                </a:srgbClr>
+              </a:clrTo>
+            </a:clrChange>
+          </a:blip>
+          <a:stretch>
+            <a:fillRect/>
+          </a:stretch>
+        </p:blipFill>
+        <p:spPr>
+          <a:xfrm>
+            <a:off x="251520" y="1412776"/>
+            <a:ext cx="8684865" cy="5046097"/>
+          </a:xfrm>
+          <a:prstGeom prst="rect">
+            <a:avLst/>
+          </a:prstGeom>
+        </p:spPr>
+      </p:pic>
+    </p:spTree>
+    <p:extLst>
+      <p:ext uri="{BB962C8B-B14F-4D97-AF65-F5344CB8AC3E}">
+        <p14:creationId xmlns:p14="http://schemas.microsoft.com/office/powerpoint/2010/main" val="903694403"/>
+      </p:ext>
+    </p:extLst>
+  </p:cSld>
+  <p:clrMapOvr>
+    <a:masterClrMapping/>
+  </p:clrMapOvr>
+</p:sld>
+</file>
+
+<file path=ppt/slides/slide12.xml><?xml version="1.0" encoding="utf-8"?>
+<p:sld xmlns:a="http://schemas.openxmlformats.org/drawingml/2006/main" xmlns:r="http://schemas.openxmlformats.org/officeDocument/2006/relationships" xmlns:p="http://schemas.openxmlformats.org/presentationml/2006/main">
+  <p:cSld>
+    <p:spTree>
+      <p:nvGrpSpPr>
+        <p:cNvPr id="1" name=""/>
+        <p:cNvGrpSpPr/>
+        <p:nvPr/>
+      </p:nvGrpSpPr>
+      <p:grpSpPr>
+        <a:xfrm>
+          <a:off x="0" y="0"/>
+          <a:ext cx="0" cy="0"/>
+          <a:chOff x="0" y="0"/>
+          <a:chExt cx="0" cy="0"/>
+        </a:xfrm>
+      </p:grpSpPr>
+      <p:sp>
+        <p:nvSpPr>
+          <p:cNvPr id="2" name="Title 1"/>
+          <p:cNvSpPr>
+            <a:spLocks noGrp="1"/>
+          </p:cNvSpPr>
+          <p:nvPr>
+            <p:ph type="title"/>
+          </p:nvPr>
+        </p:nvSpPr>
+        <p:spPr/>
+        <p:txBody>
+          <a:bodyPr/>
+          <a:lstStyle/>
+          <a:p>
+            <a:r>
+              <a:rPr lang="bs-Latn-BA" b="1" spc="50" dirty="0">
+                <a:ln w="9525" cmpd="sng">
+                  <a:solidFill>
+                    <a:schemeClr val="accent2">
+                      <a:lumMod val="50000"/>
+                    </a:schemeClr>
+                  </a:solidFill>
+                  <a:prstDash val="solid"/>
+                </a:ln>
+                <a:solidFill>
+                  <a:srgbClr val="70AD47">
+                    <a:tint val="1000"/>
+                  </a:srgbClr>
+                </a:solidFill>
+                <a:effectLst>
+                  <a:glow rad="38100">
+                    <a:schemeClr val="accent1">
+                      <a:alpha val="40000"/>
+                    </a:schemeClr>
+                  </a:glow>
+                </a:effectLst>
+              </a:rPr>
+              <a:t>IGRICA</a:t>
+            </a:r>
+          </a:p>
+        </p:txBody>
+      </p:sp>
+      <p:sp>
+        <p:nvSpPr>
+          <p:cNvPr id="3" name="Content Placeholder 2"/>
+          <p:cNvSpPr>
+            <a:spLocks noGrp="1"/>
+          </p:cNvSpPr>
+          <p:nvPr>
+            <p:ph sz="quarter" idx="1"/>
+          </p:nvPr>
+        </p:nvSpPr>
+        <p:spPr/>
+        <p:txBody>
+          <a:bodyPr/>
+          <a:lstStyle/>
+          <a:p>
+            <a:endParaRPr lang="bs-Latn-BA"/>
+          </a:p>
+        </p:txBody>
+      </p:sp>
+    </p:spTree>
+    <p:extLst>
+      <p:ext uri="{BB962C8B-B14F-4D97-AF65-F5344CB8AC3E}">
+        <p14:creationId xmlns:p14="http://schemas.microsoft.com/office/powerpoint/2010/main" val="3641206131"/>
+      </p:ext>
+    </p:extLst>
+  </p:cSld>
+  <p:clrMapOvr>
+    <a:masterClrMapping/>
+  </p:clrMapOvr>
 </p:sld>
 </file>
 
@@ -6932,56 +7307,8 @@
           </a:bodyPr>
           <a:lstStyle/>
           <a:p>
-            <a:r>
-              <a:rPr lang="bs-Latn-BA" b="1" dirty="0" smtClean="0">
-                <a:ln w="11430"/>
-                <a:gradFill>
-                  <a:gsLst>
-                    <a:gs pos="0">
-                      <a:schemeClr val="accent6">
-                        <a:tint val="90000"/>
-                        <a:satMod val="120000"/>
-                      </a:schemeClr>
-                    </a:gs>
-                    <a:gs pos="25000">
-                      <a:schemeClr val="accent6">
-                        <a:tint val="93000"/>
-                        <a:satMod val="120000"/>
-                      </a:schemeClr>
-                    </a:gs>
-                    <a:gs pos="50000">
-                      <a:schemeClr val="accent6">
-                        <a:shade val="89000"/>
-                        <a:satMod val="110000"/>
-                      </a:schemeClr>
-                    </a:gs>
-                    <a:gs pos="75000">
-                      <a:schemeClr val="accent6">
-                        <a:tint val="93000"/>
-                        <a:satMod val="120000"/>
-                      </a:schemeClr>
-                    </a:gs>
-                    <a:gs pos="100000">
-                      <a:schemeClr val="accent6">
-                        <a:tint val="90000"/>
-                        <a:satMod val="120000"/>
-                      </a:schemeClr>
-                    </a:gs>
-                  </a:gsLst>
-                  <a:lin ang="5400000"/>
-                </a:gradFill>
-                <a:effectLst>
-                  <a:outerShdw blurRad="80000" dist="40000" dir="5040000" algn="tl">
-                    <a:srgbClr val="000000">
-                      <a:alpha val="30000"/>
-                    </a:srgbClr>
-                  </a:outerShdw>
-                </a:effectLst>
-              </a:rPr>
-              <a:t/>
-            </a:r>
             <a:br>
-              <a:rPr lang="bs-Latn-BA" b="1" dirty="0" smtClean="0">
+              <a:rPr lang="bs-Latn-BA" b="1" dirty="0">
                 <a:ln w="11430"/>
                 <a:gradFill>
                   <a:gsLst>
@@ -7028,7 +7355,7 @@
               </a:rPr>
             </a:br>
             <a:r>
-              <a:rPr lang="bs-Latn-BA" sz="4900" dirty="0" smtClean="0">
+              <a:rPr lang="bs-Latn-BA" sz="4900" dirty="0">
                 <a:ln w="18000">
                   <a:solidFill>
                     <a:schemeClr val="accent2">
@@ -7128,18 +7455,17 @@
                   </a:schemeClr>
                 </a:solidFill>
               </a:rPr>
-              <a:t>J</a:t>
-            </a:r>
-            <a:r>
-              <a:rPr lang="bs-Latn-BA" dirty="0" smtClean="0">
-                <a:solidFill>
-                  <a:schemeClr val="accent4">
-                    <a:lumMod val="50000"/>
-                  </a:schemeClr>
-                </a:solidFill>
-              </a:rPr>
-              <a:t>ednostavan </a:t>
-            </a:r>
+              <a:t>Jednostavan pristup informacijama koje će boravak u parku učiniti ugodnijim i zanimljivijim;</a:t>
+            </a:r>
+          </a:p>
+          <a:p>
+            <a:pPr>
+              <a:buClr>
+                <a:schemeClr val="accent4">
+                  <a:lumMod val="50000"/>
+                </a:schemeClr>
+              </a:buClr>
+            </a:pPr>
             <a:r>
               <a:rPr lang="bs-Latn-BA" dirty="0">
                 <a:solidFill>
@@ -7148,17 +7474,7 @@
                   </a:schemeClr>
                 </a:solidFill>
               </a:rPr>
-              <a:t>pristup informacijama koje će boravak u parku učiniti ugodnijim i </a:t>
-            </a:r>
-            <a:r>
-              <a:rPr lang="bs-Latn-BA" dirty="0" smtClean="0">
-                <a:solidFill>
-                  <a:schemeClr val="accent4">
-                    <a:lumMod val="50000"/>
-                  </a:schemeClr>
-                </a:solidFill>
-              </a:rPr>
-              <a:t>zanimljivijim;</a:t>
+              <a:t>Pametno i efikasno korištenje vremena provedenog u parku;</a:t>
             </a:r>
           </a:p>
           <a:p>
@@ -7170,16 +7486,6 @@
               </a:buClr>
             </a:pPr>
             <a:r>
-              <a:rPr lang="bs-Latn-BA" dirty="0" smtClean="0">
-                <a:solidFill>
-                  <a:schemeClr val="accent4">
-                    <a:lumMod val="50000"/>
-                  </a:schemeClr>
-                </a:solidFill>
-              </a:rPr>
-              <a:t>Pametno </a:t>
-            </a:r>
-            <a:r>
               <a:rPr lang="bs-Latn-BA" dirty="0">
                 <a:solidFill>
                   <a:schemeClr val="accent4">
@@ -7187,124 +7493,8 @@
                   </a:schemeClr>
                 </a:solidFill>
               </a:rPr>
-              <a:t>i </a:t>
-            </a:r>
-            <a:r>
-              <a:rPr lang="bs-Latn-BA" dirty="0" smtClean="0">
-                <a:solidFill>
-                  <a:schemeClr val="accent4">
-                    <a:lumMod val="50000"/>
-                  </a:schemeClr>
-                </a:solidFill>
-              </a:rPr>
-              <a:t>efikasno korištenje vremena provedenog </a:t>
-            </a:r>
-            <a:r>
-              <a:rPr lang="bs-Latn-BA" dirty="0">
-                <a:solidFill>
-                  <a:schemeClr val="accent4">
-                    <a:lumMod val="50000"/>
-                  </a:schemeClr>
-                </a:solidFill>
-              </a:rPr>
-              <a:t>u </a:t>
-            </a:r>
-            <a:r>
-              <a:rPr lang="bs-Latn-BA" dirty="0" smtClean="0">
-                <a:solidFill>
-                  <a:schemeClr val="accent4">
-                    <a:lumMod val="50000"/>
-                  </a:schemeClr>
-                </a:solidFill>
-              </a:rPr>
-              <a:t>parku;</a:t>
-            </a:r>
-          </a:p>
-          <a:p>
-            <a:pPr>
-              <a:buClr>
-                <a:schemeClr val="accent4">
-                  <a:lumMod val="50000"/>
-                </a:schemeClr>
-              </a:buClr>
-            </a:pPr>
-            <a:r>
-              <a:rPr lang="bs-Latn-BA" dirty="0" smtClean="0">
-                <a:solidFill>
-                  <a:schemeClr val="accent4">
-                    <a:lumMod val="50000"/>
-                  </a:schemeClr>
-                </a:solidFill>
-              </a:rPr>
-              <a:t>Rad </a:t>
-            </a:r>
-            <a:r>
-              <a:rPr lang="bs-Latn-BA" dirty="0">
-                <a:solidFill>
-                  <a:schemeClr val="accent4">
-                    <a:lumMod val="50000"/>
-                  </a:schemeClr>
-                </a:solidFill>
-              </a:rPr>
-              <a:t>aplikacije </a:t>
-            </a:r>
-            <a:r>
-              <a:rPr lang="bs-Latn-BA" dirty="0" smtClean="0">
-                <a:solidFill>
-                  <a:schemeClr val="accent4">
-                    <a:lumMod val="50000"/>
-                  </a:schemeClr>
-                </a:solidFill>
-              </a:rPr>
-              <a:t>će </a:t>
-            </a:r>
-            <a:r>
-              <a:rPr lang="bs-Latn-BA" dirty="0">
-                <a:solidFill>
-                  <a:schemeClr val="accent4">
-                    <a:lumMod val="50000"/>
-                  </a:schemeClr>
-                </a:solidFill>
-              </a:rPr>
-              <a:t>biti prezentiran na modelu izmišljenog zabavnog parka koji </a:t>
-            </a:r>
-            <a:r>
-              <a:rPr lang="bs-Latn-BA" dirty="0" smtClean="0">
-                <a:solidFill>
-                  <a:schemeClr val="accent4">
-                    <a:lumMod val="50000"/>
-                  </a:schemeClr>
-                </a:solidFill>
-              </a:rPr>
-              <a:t>se nalazi </a:t>
-            </a:r>
-            <a:r>
-              <a:rPr lang="bs-Latn-BA" dirty="0">
-                <a:solidFill>
-                  <a:schemeClr val="accent4">
-                    <a:lumMod val="50000"/>
-                  </a:schemeClr>
-                </a:solidFill>
-              </a:rPr>
-              <a:t>na prostoru </a:t>
-            </a:r>
-            <a:r>
-              <a:rPr lang="bs-Latn-BA" dirty="0" smtClean="0">
-                <a:solidFill>
-                  <a:schemeClr val="accent4">
-                    <a:lumMod val="50000"/>
-                  </a:schemeClr>
-                </a:solidFill>
-              </a:rPr>
-              <a:t>Kampusa.</a:t>
-            </a:r>
-            <a:endParaRPr lang="bs-Latn-BA" dirty="0">
-              <a:solidFill>
-                <a:schemeClr val="accent4">
-                  <a:lumMod val="50000"/>
-                </a:schemeClr>
-              </a:solidFill>
-            </a:endParaRPr>
+              <a:t>Rad aplikacije će biti prezentiran na modelu izmišljenog zabavnog parka koji se nalazi na prostoru Kampusa.</a:t>
+            </a:r>
           </a:p>
         </p:txBody>
       </p:sp>
@@ -7359,13 +7549,6 @@
   <p:clrMapOvr>
     <a:masterClrMapping/>
   </p:clrMapOvr>
-  <p:timing>
-    <p:tnLst>
-      <p:par>
-        <p:cTn id="1" dur="indefinite" restart="never" nodeType="tmRoot"/>
-      </p:par>
-    </p:tnLst>
-  </p:timing>
 </p:sld>
 </file>
 
@@ -7404,7 +7587,7 @@
           <a:lstStyle/>
           <a:p>
             <a:r>
-              <a:rPr lang="bs-Latn-BA" sz="4400" dirty="0" smtClean="0">
+              <a:rPr lang="bs-Latn-BA" sz="4400" dirty="0">
                 <a:ln w="18000">
                   <a:solidFill>
                     <a:schemeClr val="accent2">
@@ -7418,18 +7601,6 @@
               </a:rPr>
               <a:t>PROCESI</a:t>
             </a:r>
-            <a:endParaRPr lang="bs-Latn-BA" sz="4400" dirty="0">
-              <a:ln w="18000">
-                <a:solidFill>
-                  <a:schemeClr val="accent2">
-                    <a:lumMod val="50000"/>
-                  </a:schemeClr>
-                </a:solidFill>
-                <a:prstDash val="solid"/>
-                <a:miter lim="800000"/>
-              </a:ln>
-              <a:noFill/>
-            </a:endParaRPr>
           </a:p>
         </p:txBody>
       </p:sp>
@@ -7517,34 +7688,9 @@
           <a:p>
             <a:pPr algn="just"/>
             <a:r>
-              <a:rPr lang="bs-Latn-BA" dirty="0" smtClean="0"/>
-              <a:t>Administrator: vođenje evidencije radnika i atrakcija </a:t>
-            </a:r>
-            <a:r>
               <a:rPr lang="bs-Latn-BA" dirty="0"/>
-              <a:t>koje postoje u zabavnom </a:t>
-            </a:r>
-            <a:r>
-              <a:rPr lang="bs-Latn-BA" dirty="0" smtClean="0"/>
-              <a:t>parku, dodavanje </a:t>
-            </a:r>
-            <a:r>
-              <a:rPr lang="bs-Latn-BA" dirty="0"/>
-              <a:t>novih </a:t>
-            </a:r>
-            <a:r>
-              <a:rPr lang="bs-Latn-BA" dirty="0" smtClean="0"/>
-              <a:t>usluga </a:t>
-            </a:r>
-            <a:r>
-              <a:rPr lang="bs-Latn-BA" dirty="0"/>
-              <a:t>i modificiranje njhovih </a:t>
-            </a:r>
-            <a:r>
-              <a:rPr lang="bs-Latn-BA" dirty="0" smtClean="0"/>
-              <a:t>cijena</a:t>
-            </a:r>
-            <a:endParaRPr lang="bs-Latn-BA" dirty="0"/>
+              <a:t>Administrator: vođenje evidencije radnika i atrakcija koje postoje u zabavnom parku, dodavanje novih usluga i modificiranje njhovih cijena</a:t>
+            </a:r>
           </a:p>
         </p:txBody>
       </p:sp>
@@ -7581,26 +7727,9 @@
           <a:p>
             <a:pPr algn="just"/>
             <a:r>
-              <a:rPr lang="bs-Latn-BA" dirty="0" smtClean="0"/>
-              <a:t>Posjetioc parka je obavezan kupi </a:t>
-            </a:r>
-            <a:r>
               <a:rPr lang="bs-Latn-BA" dirty="0"/>
-              <a:t>kartu online ili na </a:t>
-            </a:r>
-            <a:r>
-              <a:rPr lang="bs-Latn-BA" dirty="0" smtClean="0"/>
-              <a:t>šalteru na ulazu u zabavni park. </a:t>
-            </a:r>
-            <a:r>
-              <a:rPr lang="bs-Latn-BA" dirty="0"/>
-              <a:t>Registrovani korisnici imaju mogućnost da unosom informacija o svojoj kreiditnoj kartici izvrše kupovinu ulaznice koju naknadno preuzimaju pri dolasku u park. Radnik na šalteru imaju mogućnost kreirati kartu sa unique kodom sa kojim se može pristupiti </a:t>
-            </a:r>
-            <a:r>
-              <a:rPr lang="bs-Latn-BA" dirty="0" smtClean="0"/>
-              <a:t>aplikaciji. </a:t>
-            </a:r>
-            <a:endParaRPr lang="bs-Latn-BA" dirty="0"/>
+              <a:t>Posjetioc parka je obavezan kupi kartu online ili na šalteru na ulazu u zabavni park. Registrovani korisnici imaju mogućnost da unosom informacija o svojoj kreiditnoj kartici izvrše kupovinu ulaznice koju naknadno preuzimaju pri dolasku u park. Radnik na šalteru imaju mogućnost kreirati kartu sa unique kodom sa kojim se može pristupiti aplikaciji. </a:t>
+            </a:r>
           </a:p>
         </p:txBody>
       </p:sp>
@@ -8086,7 +8215,7 @@
           <a:lstStyle/>
           <a:p>
             <a:r>
-              <a:rPr lang="bs-Latn-BA" sz="4400" dirty="0" smtClean="0">
+              <a:rPr lang="bs-Latn-BA" sz="4400" dirty="0">
                 <a:ln w="18000">
                   <a:solidFill>
                     <a:schemeClr val="accent2">
@@ -8100,18 +8229,6 @@
               </a:rPr>
               <a:t>Funkcionalnosti</a:t>
             </a:r>
-            <a:endParaRPr lang="bs-Latn-BA" sz="4400" dirty="0">
-              <a:ln w="18000">
-                <a:solidFill>
-                  <a:schemeClr val="accent2">
-                    <a:lumMod val="50000"/>
-                  </a:schemeClr>
-                </a:solidFill>
-                <a:prstDash val="solid"/>
-                <a:miter lim="800000"/>
-              </a:ln>
-              <a:noFill/>
-            </a:endParaRPr>
           </a:p>
         </p:txBody>
       </p:sp>
@@ -8250,13 +8367,6 @@
   <p:clrMapOvr>
     <a:masterClrMapping/>
   </p:clrMapOvr>
-  <p:timing>
-    <p:tnLst>
-      <p:par>
-        <p:cTn id="1" dur="indefinite" restart="never" nodeType="tmRoot"/>
-      </p:par>
-    </p:tnLst>
-  </p:timing>
 </p:sld>
 </file>
 
@@ -8295,7 +8405,7 @@
           <a:lstStyle/>
           <a:p>
             <a:r>
-              <a:rPr lang="bs-Latn-BA" sz="4400" dirty="0" smtClean="0">
+              <a:rPr lang="bs-Latn-BA" sz="4400" dirty="0">
                 <a:ln w="18000">
                   <a:solidFill>
                     <a:schemeClr val="accent2">
@@ -8309,18 +8419,6 @@
               </a:rPr>
               <a:t>Akteri</a:t>
             </a:r>
-            <a:endParaRPr lang="bs-Latn-BA" sz="4400" dirty="0">
-              <a:ln w="18000">
-                <a:solidFill>
-                  <a:schemeClr val="accent2">
-                    <a:lumMod val="50000"/>
-                  </a:schemeClr>
-                </a:solidFill>
-                <a:prstDash val="solid"/>
-                <a:miter lim="800000"/>
-              </a:ln>
-              <a:noFill/>
-            </a:endParaRPr>
           </a:p>
         </p:txBody>
       </p:sp>
@@ -8464,11 +8562,7 @@
             </a:pPr>
             <a:r>
               <a:rPr lang="bs-Latn-BA" dirty="0"/>
-              <a:t>Posjetioci zabavnog parka sa 'Gold' kartom (pored standardnih funkcionalnosti mobilne aplikacije, ovi posjetioci imaju mogućnost da koriste specijalni ulaz za pristup atrakciji sa smanjenim vremenom čekanja</a:t>
-            </a:r>
-            <a:r>
-              <a:rPr lang="bs-Latn-BA" dirty="0" smtClean="0"/>
-              <a:t>)</a:t>
+              <a:t>Posjetioci zabavnog parka sa 'Gold' kartom (pored standardnih funkcionalnosti mobilne aplikacije, ovi posjetioci imaju mogućnost da koriste specijalni ulaz za pristup atrakciji sa smanjenim vremenom čekanja)</a:t>
             </a:r>
           </a:p>
           <a:p>
@@ -8486,13 +8580,6 @@
   <p:clrMapOvr>
     <a:masterClrMapping/>
   </p:clrMapOvr>
-  <p:timing>
-    <p:tnLst>
-      <p:par>
-        <p:cTn id="1" dur="indefinite" restart="never" nodeType="tmRoot"/>
-      </p:par>
-    </p:tnLst>
-  </p:timing>
 </p:sld>
 </file>
 
@@ -8531,7 +8618,7 @@
           <a:lstStyle/>
           <a:p>
             <a:r>
-              <a:rPr lang="bs-Latn-BA" sz="4400" dirty="0" smtClean="0">
+              <a:rPr lang="bs-Latn-BA" sz="4400" dirty="0">
                 <a:ln w="18000">
                   <a:solidFill>
                     <a:schemeClr val="accent1">
@@ -8545,18 +8632,6 @@
               </a:rPr>
               <a:t>USE CASE DIJAGRAM</a:t>
             </a:r>
-            <a:endParaRPr lang="bs-Latn-BA" sz="4400" dirty="0">
-              <a:ln w="18000">
-                <a:solidFill>
-                  <a:schemeClr val="accent1">
-                    <a:lumMod val="50000"/>
-                  </a:schemeClr>
-                </a:solidFill>
-                <a:prstDash val="solid"/>
-                <a:miter lim="800000"/>
-              </a:ln>
-              <a:noFill/>
-            </a:endParaRPr>
           </a:p>
         </p:txBody>
       </p:sp>
@@ -8611,13 +8686,6 @@
   <p:clrMapOvr>
     <a:masterClrMapping/>
   </p:clrMapOvr>
-  <p:timing>
-    <p:tnLst>
-      <p:par>
-        <p:cTn id="1" dur="indefinite" restart="never" nodeType="tmRoot"/>
-      </p:par>
-    </p:tnLst>
-  </p:timing>
 </p:sld>
 </file>
 
@@ -8654,7 +8722,7 @@
           <a:lstStyle/>
           <a:p>
             <a:r>
-              <a:rPr lang="bs-Latn-BA" b="1" dirty="0" smtClean="0">
+              <a:rPr lang="bs-Latn-BA" b="1" dirty="0">
                 <a:ln w="18000">
                   <a:solidFill>
                     <a:schemeClr val="accent1">
@@ -8675,25 +8743,6 @@
               </a:rPr>
               <a:t>DIJAGRAMI AKTIVNOSTI</a:t>
             </a:r>
-            <a:endParaRPr lang="bs-Latn-BA" b="1" dirty="0">
-              <a:ln w="18000">
-                <a:solidFill>
-                  <a:schemeClr val="accent1">
-                    <a:lumMod val="50000"/>
-                  </a:schemeClr>
-                </a:solidFill>
-                <a:prstDash val="solid"/>
-                <a:miter lim="800000"/>
-              </a:ln>
-              <a:noFill/>
-              <a:effectLst>
-                <a:outerShdw blurRad="25500" dist="23000" dir="7020000" algn="tl">
-                  <a:srgbClr val="000000">
-                    <a:alpha val="50000"/>
-                  </a:srgbClr>
-                </a:outerShdw>
-              </a:effectLst>
-            </a:endParaRPr>
           </a:p>
         </p:txBody>
       </p:sp>
@@ -8721,7 +8770,7 @@
           <a:p>
             <a:pPr algn="ctr"/>
             <a:r>
-              <a:rPr lang="bs-Latn-BA" sz="2400" b="1" dirty="0" smtClean="0">
+              <a:rPr lang="bs-Latn-BA" sz="2400" b="1" dirty="0">
                 <a:ln w="1905">
                   <a:solidFill>
                     <a:schemeClr val="accent2">
@@ -8763,46 +8812,6 @@
               </a:rPr>
               <a:t>KUPOVINA KARATA NA ULAZU</a:t>
             </a:r>
-            <a:endParaRPr lang="bs-Latn-BA" sz="2400" b="1" dirty="0">
-              <a:ln w="1905">
-                <a:solidFill>
-                  <a:schemeClr val="accent2">
-                    <a:lumMod val="50000"/>
-                  </a:schemeClr>
-                </a:solidFill>
-              </a:ln>
-              <a:gradFill>
-                <a:gsLst>
-                  <a:gs pos="0">
-                    <a:schemeClr val="accent6">
-                      <a:shade val="20000"/>
-                      <a:satMod val="200000"/>
-                    </a:schemeClr>
-                  </a:gs>
-                  <a:gs pos="78000">
-                    <a:schemeClr val="accent6">
-                      <a:tint val="90000"/>
-                      <a:shade val="89000"/>
-                      <a:satMod val="220000"/>
-                    </a:schemeClr>
-                  </a:gs>
-                  <a:gs pos="100000">
-                    <a:schemeClr val="accent6">
-                      <a:tint val="12000"/>
-                      <a:satMod val="255000"/>
-                    </a:schemeClr>
-                  </a:gs>
-                </a:gsLst>
-                <a:lin ang="5400000"/>
-              </a:gradFill>
-              <a:effectLst>
-                <a:innerShdw blurRad="69850" dist="43180" dir="5400000">
-                  <a:srgbClr val="000000">
-                    <a:alpha val="65000"/>
-                  </a:srgbClr>
-                </a:innerShdw>
-              </a:effectLst>
-            </a:endParaRPr>
           </a:p>
         </p:txBody>
       </p:sp>
@@ -8908,7 +8917,7 @@
           <a:p>
             <a:pPr algn="ctr"/>
             <a:r>
-              <a:rPr lang="bs-Latn-BA" sz="2400" b="1" dirty="0" smtClean="0">
+              <a:rPr lang="bs-Latn-BA" sz="2400" b="1" dirty="0">
                 <a:ln w="1905"/>
                 <a:gradFill>
                   <a:gsLst>
@@ -8944,40 +8953,6 @@
               </a:rPr>
               <a:t>KUPOVINA KARTE ONLINE</a:t>
             </a:r>
-            <a:endParaRPr lang="bs-Latn-BA" sz="2400" b="1" dirty="0">
-              <a:ln w="1905"/>
-              <a:gradFill>
-                <a:gsLst>
-                  <a:gs pos="0">
-                    <a:schemeClr val="accent6">
-                      <a:shade val="20000"/>
-                      <a:satMod val="200000"/>
-                    </a:schemeClr>
-                  </a:gs>
-                  <a:gs pos="78000">
-                    <a:schemeClr val="accent6">
-                      <a:tint val="90000"/>
-                      <a:shade val="89000"/>
-                      <a:satMod val="220000"/>
-                    </a:schemeClr>
-                  </a:gs>
-                  <a:gs pos="100000">
-                    <a:schemeClr val="accent6">
-                      <a:tint val="12000"/>
-                      <a:satMod val="255000"/>
-                    </a:schemeClr>
-                  </a:gs>
-                </a:gsLst>
-                <a:lin ang="5400000"/>
-              </a:gradFill>
-              <a:effectLst>
-                <a:innerShdw blurRad="69850" dist="43180" dir="5400000">
-                  <a:srgbClr val="000000">
-                    <a:alpha val="65000"/>
-                  </a:srgbClr>
-                </a:innerShdw>
-              </a:effectLst>
-            </a:endParaRPr>
           </a:p>
         </p:txBody>
       </p:sp>
@@ -9590,7 +9565,7 @@
           <a:lstStyle/>
           <a:p>
             <a:r>
-              <a:rPr lang="bs-Latn-BA" b="1" dirty="0" smtClean="0">
+              <a:rPr lang="bs-Latn-BA" b="1" dirty="0">
                 <a:ln w="18000">
                   <a:solidFill>
                     <a:schemeClr val="accent1">
@@ -9611,25 +9586,6 @@
               </a:rPr>
               <a:t>PRIMJER SCENARIJA</a:t>
             </a:r>
-            <a:endParaRPr lang="bs-Latn-BA" b="1" dirty="0">
-              <a:ln w="18000">
-                <a:solidFill>
-                  <a:schemeClr val="accent1">
-                    <a:lumMod val="50000"/>
-                  </a:schemeClr>
-                </a:solidFill>
-                <a:prstDash val="solid"/>
-                <a:miter lim="800000"/>
-              </a:ln>
-              <a:noFill/>
-              <a:effectLst>
-                <a:outerShdw blurRad="25500" dist="23000" dir="7020000" algn="tl">
-                  <a:srgbClr val="000000">
-                    <a:alpha val="50000"/>
-                  </a:srgbClr>
-                </a:outerShdw>
-              </a:effectLst>
-            </a:endParaRPr>
           </a:p>
         </p:txBody>
       </p:sp>
@@ -9663,12 +9619,8 @@
               </a:buClr>
             </a:pPr>
             <a:r>
-              <a:rPr lang="bs-Latn-BA" dirty="0" smtClean="0"/>
-              <a:t>Naziv</a:t>
-            </a:r>
-            <a:r>
               <a:rPr lang="bs-Latn-BA" dirty="0"/>
-              <a:t>: Online kupovina karata</a:t>
+              <a:t>Naziv: Online kupovina karata</a:t>
             </a:r>
           </a:p>
           <a:p>
@@ -9681,15 +9633,7 @@
             </a:pPr>
             <a:r>
               <a:rPr lang="bs-Latn-BA" dirty="0"/>
-              <a:t>Opis: </a:t>
-            </a:r>
-            <a:r>
-              <a:rPr lang="bs-Latn-BA" dirty="0" smtClean="0"/>
-              <a:t>Klijent </a:t>
-            </a:r>
-            <a:r>
-              <a:rPr lang="bs-Latn-BA" dirty="0"/>
-              <a:t>pristupa online interfejsu i vrši login na aplikaciju</a:t>
+              <a:t>Opis: Klijent pristupa online interfejsu i vrši login na aplikaciju</a:t>
             </a:r>
           </a:p>
           <a:p>
@@ -9730,7 +9674,6 @@
               <a:rPr lang="bs-Latn-BA" dirty="0"/>
               <a:t>Posljedice (negativan završetak): Login neuspješan 3 puta zaredom, blokada računa</a:t>
             </a:r>
-            <a:endParaRPr lang="bs-Latn-BA" dirty="0"/>
           </a:p>
         </p:txBody>
       </p:sp>
@@ -10166,46 +10109,68 @@
           <a:bodyPr/>
           <a:lstStyle/>
           <a:p>
-            <a:endParaRPr lang="bs-Latn-BA"/>
-          </a:p>
-        </p:txBody>
-      </p:sp>
-      <p:sp>
-        <p:nvSpPr>
-          <p:cNvPr id="3" name="Content Placeholder 2"/>
-          <p:cNvSpPr>
-            <a:spLocks noGrp="1"/>
-          </p:cNvSpPr>
-          <p:nvPr>
-            <p:ph sz="quarter" idx="1"/>
-          </p:nvPr>
-        </p:nvSpPr>
-        <p:spPr/>
-        <p:txBody>
-          <a:bodyPr/>
-          <a:lstStyle/>
-          <a:p>
-            <a:endParaRPr lang="bs-Latn-BA"/>
-          </a:p>
-        </p:txBody>
-      </p:sp>
+            <a:r>
+              <a:rPr lang="bs-Latn-BA" b="1" spc="50" dirty="0">
+                <a:ln w="9525" cmpd="sng">
+                  <a:solidFill>
+                    <a:schemeClr val="accent2">
+                      <a:lumMod val="50000"/>
+                    </a:schemeClr>
+                  </a:solidFill>
+                  <a:prstDash val="solid"/>
+                </a:ln>
+                <a:solidFill>
+                  <a:srgbClr val="70AD47">
+                    <a:tint val="1000"/>
+                  </a:srgbClr>
+                </a:solidFill>
+                <a:effectLst>
+                  <a:glow rad="38100">
+                    <a:schemeClr val="accent1">
+                      <a:alpha val="40000"/>
+                    </a:schemeClr>
+                  </a:glow>
+                </a:effectLst>
+              </a:rPr>
+              <a:t>DIJAGRAM KLASE</a:t>
+            </a:r>
+          </a:p>
+        </p:txBody>
+      </p:sp>
+      <p:pic>
+        <p:nvPicPr>
+          <p:cNvPr id="4" name="Picture 3"/>
+          <p:cNvPicPr>
+            <a:picLocks noChangeAspect="1"/>
+          </p:cNvPicPr>
+          <p:nvPr/>
+        </p:nvPicPr>
+        <p:blipFill>
+          <a:blip r:embed="rId2"/>
+          <a:stretch>
+            <a:fillRect/>
+          </a:stretch>
+        </p:blipFill>
+        <p:spPr>
+          <a:xfrm>
+            <a:off x="107504" y="980728"/>
+            <a:ext cx="8976885" cy="5568633"/>
+          </a:xfrm>
+          <a:prstGeom prst="rect">
+            <a:avLst/>
+          </a:prstGeom>
+        </p:spPr>
+      </p:pic>
     </p:spTree>
     <p:extLst>
       <p:ext uri="{BB962C8B-B14F-4D97-AF65-F5344CB8AC3E}">
-        <p14:creationId xmlns:p14="http://schemas.microsoft.com/office/powerpoint/2010/main" val="903694403"/>
+        <p14:creationId xmlns:p14="http://schemas.microsoft.com/office/powerpoint/2010/main" val="1237823288"/>
       </p:ext>
     </p:extLst>
   </p:cSld>
   <p:clrMapOvr>
     <a:masterClrMapping/>
   </p:clrMapOvr>
-  <p:timing>
-    <p:tnLst>
-      <p:par>
-        <p:cTn id="1" dur="indefinite" restart="never" nodeType="tmRoot"/>
-      </p:par>
-    </p:tnLst>
-  </p:timing>
 </p:sld>
 </file>
 
